--- a/generated_data/analysis.pptx
+++ b/generated_data/analysis.pptx
@@ -109,6 +109,11 @@
       </a:defRPr>
     </a:lvl9pPr>
   </p:defaultTextStyle>
+  <p:extLst>
+    <p:ext uri="{EFAFB233-063F-42B5-8137-9DF3F51BA10A}">
+      <p15:sldGuideLst xmlns:p15="http://schemas.microsoft.com/office/powerpoint/2012/main"/>
+    </p:ext>
+  </p:extLst>
 </p:presentation>
 </file>
 
@@ -275,7 +280,7 @@
           <a:p>
             <a:fld id="{838B5029-5184-7648-A009-B4654F8846D3}" type="datetimeFigureOut">
               <a:rPr lang="en-US" smtClean="0"/>
-              <a:t>4/18/20</a:t>
+              <a:t>4/19/20</a:t>
             </a:fld>
             <a:endParaRPr lang="en-US"/>
           </a:p>
@@ -445,7 +450,7 @@
           <a:p>
             <a:fld id="{838B5029-5184-7648-A009-B4654F8846D3}" type="datetimeFigureOut">
               <a:rPr lang="en-US" smtClean="0"/>
-              <a:t>4/18/20</a:t>
+              <a:t>4/19/20</a:t>
             </a:fld>
             <a:endParaRPr lang="en-US"/>
           </a:p>
@@ -625,7 +630,7 @@
           <a:p>
             <a:fld id="{838B5029-5184-7648-A009-B4654F8846D3}" type="datetimeFigureOut">
               <a:rPr lang="en-US" smtClean="0"/>
-              <a:t>4/18/20</a:t>
+              <a:t>4/19/20</a:t>
             </a:fld>
             <a:endParaRPr lang="en-US"/>
           </a:p>
@@ -795,7 +800,7 @@
           <a:p>
             <a:fld id="{838B5029-5184-7648-A009-B4654F8846D3}" type="datetimeFigureOut">
               <a:rPr lang="en-US" smtClean="0"/>
-              <a:t>4/18/20</a:t>
+              <a:t>4/19/20</a:t>
             </a:fld>
             <a:endParaRPr lang="en-US"/>
           </a:p>
@@ -1063,7 +1068,7 @@
           <a:p>
             <a:fld id="{838B5029-5184-7648-A009-B4654F8846D3}" type="datetimeFigureOut">
               <a:rPr lang="en-US" smtClean="0"/>
-              <a:t>4/18/20</a:t>
+              <a:t>4/19/20</a:t>
             </a:fld>
             <a:endParaRPr lang="en-US"/>
           </a:p>
@@ -1295,7 +1300,7 @@
           <a:p>
             <a:fld id="{838B5029-5184-7648-A009-B4654F8846D3}" type="datetimeFigureOut">
               <a:rPr lang="en-US" smtClean="0"/>
-              <a:t>4/18/20</a:t>
+              <a:t>4/19/20</a:t>
             </a:fld>
             <a:endParaRPr lang="en-US"/>
           </a:p>
@@ -1655,7 +1660,7 @@
           <a:p>
             <a:fld id="{838B5029-5184-7648-A009-B4654F8846D3}" type="datetimeFigureOut">
               <a:rPr lang="en-US" smtClean="0"/>
-              <a:t>4/18/20</a:t>
+              <a:t>4/19/20</a:t>
             </a:fld>
             <a:endParaRPr lang="en-US"/>
           </a:p>
@@ -1796,7 +1801,7 @@
           <a:p>
             <a:fld id="{838B5029-5184-7648-A009-B4654F8846D3}" type="datetimeFigureOut">
               <a:rPr lang="en-US" smtClean="0"/>
-              <a:t>4/18/20</a:t>
+              <a:t>4/19/20</a:t>
             </a:fld>
             <a:endParaRPr lang="en-US"/>
           </a:p>
@@ -1891,7 +1896,7 @@
           <a:p>
             <a:fld id="{838B5029-5184-7648-A009-B4654F8846D3}" type="datetimeFigureOut">
               <a:rPr lang="en-US" smtClean="0"/>
-              <a:t>4/18/20</a:t>
+              <a:t>4/19/20</a:t>
             </a:fld>
             <a:endParaRPr lang="en-US"/>
           </a:p>
@@ -2248,7 +2253,7 @@
           <a:p>
             <a:fld id="{838B5029-5184-7648-A009-B4654F8846D3}" type="datetimeFigureOut">
               <a:rPr lang="en-US" smtClean="0"/>
-              <a:t>4/18/20</a:t>
+              <a:t>4/19/20</a:t>
             </a:fld>
             <a:endParaRPr lang="en-US"/>
           </a:p>
@@ -2609,7 +2614,7 @@
           <a:p>
             <a:fld id="{838B5029-5184-7648-A009-B4654F8846D3}" type="datetimeFigureOut">
               <a:rPr lang="en-US" smtClean="0"/>
-              <a:t>4/18/20</a:t>
+              <a:t>4/19/20</a:t>
             </a:fld>
             <a:endParaRPr lang="en-US"/>
           </a:p>
@@ -2849,7 +2854,7 @@
           <a:p>
             <a:fld id="{838B5029-5184-7648-A009-B4654F8846D3}" type="datetimeFigureOut">
               <a:rPr lang="en-US" smtClean="0"/>
-              <a:t>4/18/20</a:t>
+              <a:t>4/19/20</a:t>
             </a:fld>
             <a:endParaRPr lang="en-US"/>
           </a:p>
@@ -3765,10 +3770,10 @@
       </p:sp>
       <p:pic>
         <p:nvPicPr>
-          <p:cNvPr id="9" name="Picture 8" descr="A picture containing fence&#10;&#10;Description automatically generated">
+          <p:cNvPr id="4" name="Picture 3" descr="A close up of a logo&#10;&#10;Description automatically generated">
             <a:extLst>
               <a:ext uri="{FF2B5EF4-FFF2-40B4-BE49-F238E27FC236}">
-                <a16:creationId xmlns:a16="http://schemas.microsoft.com/office/drawing/2014/main" id="{A92F7462-265D-D347-9453-A3BD5BAFA5BE}"/>
+                <a16:creationId xmlns:a16="http://schemas.microsoft.com/office/drawing/2014/main" id="{23C7333B-08B6-A34C-9CB7-0A96C53FFF13}"/>
               </a:ext>
             </a:extLst>
           </p:cNvPr>
@@ -3785,8 +3790,8 @@
         </p:blipFill>
         <p:spPr>
           <a:xfrm>
-            <a:off x="1971963" y="2357851"/>
-            <a:ext cx="8248073" cy="4250767"/>
+            <a:off x="1832758" y="2212559"/>
+            <a:ext cx="8526483" cy="4392430"/>
           </a:xfrm>
           <a:prstGeom prst="rect">
             <a:avLst/>
@@ -3868,10 +3873,10 @@
       </p:sp>
       <p:pic>
         <p:nvPicPr>
-          <p:cNvPr id="4" name="Picture 3" descr="A screenshot of a cell phone&#10;&#10;Description automatically generated">
+          <p:cNvPr id="6" name="Picture 5" descr="A screenshot of a cell phone&#10;&#10;Description automatically generated">
             <a:extLst>
               <a:ext uri="{FF2B5EF4-FFF2-40B4-BE49-F238E27FC236}">
-                <a16:creationId xmlns:a16="http://schemas.microsoft.com/office/drawing/2014/main" id="{BE33EDA0-40C0-564C-9483-37770E383123}"/>
+                <a16:creationId xmlns:a16="http://schemas.microsoft.com/office/drawing/2014/main" id="{E74DCB9C-E7D5-144E-89A2-0D4704B88F48}"/>
               </a:ext>
             </a:extLst>
           </p:cNvPr>
@@ -3882,13 +3887,13 @@
         </p:nvPicPr>
         <p:blipFill rotWithShape="1">
           <a:blip r:embed="rId2"/>
-          <a:srcRect l="5379" t="5926" r="5227" b="9091"/>
+          <a:srcRect l="9722" t="5466" r="1112" b="10725"/>
           <a:stretch/>
         </p:blipFill>
         <p:spPr>
           <a:xfrm>
-            <a:off x="0" y="168716"/>
-            <a:ext cx="12193772" cy="6520568"/>
+            <a:off x="0" y="203200"/>
+            <a:ext cx="12192000" cy="6445956"/>
           </a:xfrm>
           <a:prstGeom prst="rect">
             <a:avLst/>

--- a/generated_data/analysis.pptx
+++ b/generated_data/analysis.pptx
@@ -11,6 +11,8 @@
     <p:sldId id="264" r:id="rId5"/>
     <p:sldId id="265" r:id="rId6"/>
     <p:sldId id="260" r:id="rId7"/>
+    <p:sldId id="268" r:id="rId8"/>
+    <p:sldId id="266" r:id="rId9"/>
   </p:sldIdLst>
   <p:sldSz cx="12192000" cy="6858000"/>
   <p:notesSz cx="6858000" cy="9144000"/>
@@ -3988,7 +3990,7 @@
         <p:spPr>
           <a:xfrm>
             <a:off x="2327564" y="3574473"/>
-            <a:ext cx="3490379" cy="369332"/>
+            <a:ext cx="7901971" cy="646331"/>
           </a:xfrm>
           <a:prstGeom prst="rect">
             <a:avLst/>
@@ -4011,7 +4013,19 @@
             </a:r>
             <a:r>
               <a:rPr lang="en-US" dirty="0"/>
-              <a:t> notebook for usage: </a:t>
+              <a:t> notebook for usage:</a:t>
+            </a:r>
+          </a:p>
+          <a:p>
+            <a:r>
+              <a:rPr lang="de-DE" dirty="0">
+                <a:hlinkClick r:id="rId2"/>
+              </a:rPr>
+              <a:t>https://colab.research.google.com/drive/1mJSu31pSD5ua7GqsFVCOf7M6hycTOItv</a:t>
+            </a:r>
+            <a:r>
+              <a:rPr lang="en-US" dirty="0"/>
+              <a:t> </a:t>
             </a:r>
           </a:p>
         </p:txBody>
@@ -4020,6 +4034,283 @@
     <p:extLst>
       <p:ext uri="{BB962C8B-B14F-4D97-AF65-F5344CB8AC3E}">
         <p14:creationId xmlns:p14="http://schemas.microsoft.com/office/powerpoint/2010/main" val="970160664"/>
+      </p:ext>
+    </p:extLst>
+  </p:cSld>
+  <p:clrMapOvr>
+    <a:masterClrMapping/>
+  </p:clrMapOvr>
+</p:sld>
+</file>
+
+<file path=ppt/slides/slide7.xml><?xml version="1.0" encoding="utf-8"?>
+<p:sld xmlns:a="http://schemas.openxmlformats.org/drawingml/2006/main" xmlns:r="http://schemas.openxmlformats.org/officeDocument/2006/relationships" xmlns:p="http://schemas.openxmlformats.org/presentationml/2006/main">
+  <p:cSld>
+    <p:bg>
+      <p:bgPr>
+        <a:solidFill>
+          <a:srgbClr val="60B5E9"/>
+        </a:solidFill>
+        <a:effectLst/>
+      </p:bgPr>
+    </p:bg>
+    <p:spTree>
+      <p:nvGrpSpPr>
+        <p:cNvPr id="1" name=""/>
+        <p:cNvGrpSpPr/>
+        <p:nvPr/>
+      </p:nvGrpSpPr>
+      <p:grpSpPr>
+        <a:xfrm>
+          <a:off x="0" y="0"/>
+          <a:ext cx="0" cy="0"/>
+          <a:chOff x="0" y="0"/>
+          <a:chExt cx="0" cy="0"/>
+        </a:xfrm>
+      </p:grpSpPr>
+      <p:sp>
+        <p:nvSpPr>
+          <p:cNvPr id="2" name="Title 1">
+            <a:extLst>
+              <a:ext uri="{FF2B5EF4-FFF2-40B4-BE49-F238E27FC236}">
+                <a16:creationId xmlns:a16="http://schemas.microsoft.com/office/drawing/2014/main" id="{00AC5CAA-C457-0048-9E45-E8E03DADC2C8}"/>
+              </a:ext>
+            </a:extLst>
+          </p:cNvPr>
+          <p:cNvSpPr>
+            <a:spLocks noGrp="1"/>
+          </p:cNvSpPr>
+          <p:nvPr>
+            <p:ph type="ctrTitle"/>
+          </p:nvPr>
+        </p:nvSpPr>
+        <p:spPr/>
+        <p:txBody>
+          <a:bodyPr/>
+          <a:lstStyle/>
+          <a:p>
+            <a:r>
+              <a:rPr lang="en-US" dirty="0"/>
+              <a:t>Thank you!</a:t>
+            </a:r>
+          </a:p>
+        </p:txBody>
+      </p:sp>
+    </p:spTree>
+    <p:extLst>
+      <p:ext uri="{BB962C8B-B14F-4D97-AF65-F5344CB8AC3E}">
+        <p14:creationId xmlns:p14="http://schemas.microsoft.com/office/powerpoint/2010/main" val="3653530688"/>
+      </p:ext>
+    </p:extLst>
+  </p:cSld>
+  <p:clrMapOvr>
+    <a:masterClrMapping/>
+  </p:clrMapOvr>
+</p:sld>
+</file>
+
+<file path=ppt/slides/slide8.xml><?xml version="1.0" encoding="utf-8"?>
+<p:sld xmlns:a="http://schemas.openxmlformats.org/drawingml/2006/main" xmlns:r="http://schemas.openxmlformats.org/officeDocument/2006/relationships" xmlns:p="http://schemas.openxmlformats.org/presentationml/2006/main">
+  <p:cSld>
+    <p:bg>
+      <p:bgPr>
+        <a:solidFill>
+          <a:srgbClr val="60B5E9">
+            <a:alpha val="69804"/>
+          </a:srgbClr>
+        </a:solidFill>
+        <a:effectLst/>
+      </p:bgPr>
+    </p:bg>
+    <p:spTree>
+      <p:nvGrpSpPr>
+        <p:cNvPr id="1" name=""/>
+        <p:cNvGrpSpPr/>
+        <p:nvPr/>
+      </p:nvGrpSpPr>
+      <p:grpSpPr>
+        <a:xfrm>
+          <a:off x="0" y="0"/>
+          <a:ext cx="0" cy="0"/>
+          <a:chOff x="0" y="0"/>
+          <a:chExt cx="0" cy="0"/>
+        </a:xfrm>
+      </p:grpSpPr>
+      <p:sp>
+        <p:nvSpPr>
+          <p:cNvPr id="3" name="Content Placeholder 2">
+            <a:extLst>
+              <a:ext uri="{FF2B5EF4-FFF2-40B4-BE49-F238E27FC236}">
+                <a16:creationId xmlns:a16="http://schemas.microsoft.com/office/drawing/2014/main" id="{42501FF0-4227-2D48-B6CA-3133677E3E3C}"/>
+              </a:ext>
+            </a:extLst>
+          </p:cNvPr>
+          <p:cNvSpPr>
+            <a:spLocks noGrp="1"/>
+          </p:cNvSpPr>
+          <p:nvPr>
+            <p:ph idx="1"/>
+          </p:nvPr>
+        </p:nvSpPr>
+        <p:spPr>
+          <a:xfrm>
+            <a:off x="2231136" y="2638044"/>
+            <a:ext cx="7729728" cy="3574220"/>
+          </a:xfrm>
+        </p:spPr>
+        <p:txBody>
+          <a:bodyPr>
+            <a:normAutofit lnSpcReduction="10000"/>
+          </a:bodyPr>
+          <a:lstStyle/>
+          <a:p>
+            <a:r>
+              <a:rPr lang="en-US" dirty="0"/>
+              <a:t>Rating:</a:t>
+            </a:r>
+          </a:p>
+          <a:p>
+            <a:pPr lvl="1"/>
+            <a:r>
+              <a:rPr lang="en-US" dirty="0"/>
+              <a:t>Assign success score to weeks depending on the change in daily new cases</a:t>
+            </a:r>
+          </a:p>
+          <a:p>
+            <a:pPr lvl="1"/>
+            <a:r>
+              <a:rPr lang="en-US" dirty="0"/>
+              <a:t>Connect the success score to measures which have been already active 2 weeks before</a:t>
+            </a:r>
+          </a:p>
+          <a:p>
+            <a:pPr lvl="1"/>
+            <a:r>
+              <a:rPr lang="en-US" dirty="0"/>
+              <a:t>Calculate average success score per measure</a:t>
+            </a:r>
+          </a:p>
+          <a:p>
+            <a:r>
+              <a:rPr lang="en-US" dirty="0"/>
+              <a:t>Prediction:</a:t>
+            </a:r>
+          </a:p>
+          <a:p>
+            <a:pPr lvl="1"/>
+            <a:r>
+              <a:rPr lang="en-US" dirty="0"/>
+              <a:t>Success score describes how daily new cases change in a week</a:t>
+            </a:r>
+          </a:p>
+          <a:p>
+            <a:pPr lvl="1"/>
+            <a:r>
+              <a:rPr lang="en-US" dirty="0"/>
+              <a:t>Iteratively apply score of the most effective measure to previous daily new cases</a:t>
+            </a:r>
+          </a:p>
+          <a:p>
+            <a:pPr lvl="1"/>
+            <a:r>
+              <a:rPr lang="en-US" dirty="0"/>
+              <a:t>Additional measures have a smaller weighted impact as well</a:t>
+            </a:r>
+          </a:p>
+          <a:p>
+            <a:pPr lvl="1"/>
+            <a:r>
+              <a:rPr lang="en-US" dirty="0"/>
+              <a:t>Measures that are already contained by other measures are ignored</a:t>
+            </a:r>
+          </a:p>
+          <a:p>
+            <a:pPr lvl="1"/>
+            <a:endParaRPr lang="en-US" dirty="0"/>
+          </a:p>
+        </p:txBody>
+      </p:sp>
+      <p:sp>
+        <p:nvSpPr>
+          <p:cNvPr id="4" name="Title 1">
+            <a:extLst>
+              <a:ext uri="{FF2B5EF4-FFF2-40B4-BE49-F238E27FC236}">
+                <a16:creationId xmlns:a16="http://schemas.microsoft.com/office/drawing/2014/main" id="{53DB0B61-BB28-8D43-B1F0-23FDF90AF91A}"/>
+              </a:ext>
+            </a:extLst>
+          </p:cNvPr>
+          <p:cNvSpPr txBox="1">
+            <a:spLocks/>
+          </p:cNvSpPr>
+          <p:nvPr/>
+        </p:nvSpPr>
+        <p:spPr>
+          <a:xfrm>
+            <a:off x="2231136" y="752256"/>
+            <a:ext cx="7729728" cy="1188720"/>
+          </a:xfrm>
+          <a:prstGeom prst="rect">
+            <a:avLst/>
+          </a:prstGeom>
+          <a:solidFill>
+            <a:schemeClr val="bg1"/>
+          </a:solidFill>
+          <a:ln w="31750" cap="sq">
+            <a:solidFill>
+              <a:schemeClr val="tx1">
+                <a:lumMod val="75000"/>
+                <a:lumOff val="25000"/>
+              </a:schemeClr>
+            </a:solidFill>
+            <a:miter lim="800000"/>
+          </a:ln>
+        </p:spPr>
+        <p:txBody>
+          <a:bodyPr vert="horz" lIns="182880" tIns="182880" rIns="182880" bIns="182880" rtlCol="0" anchor="ctr">
+            <a:normAutofit/>
+          </a:bodyPr>
+          <a:lstStyle>
+            <a:lvl1pPr algn="ctr" defTabSz="914400" rtl="0" eaLnBrk="1" latinLnBrk="0" hangingPunct="1">
+              <a:lnSpc>
+                <a:spcPct val="90000"/>
+              </a:lnSpc>
+              <a:spcBef>
+                <a:spcPct val="0"/>
+              </a:spcBef>
+              <a:buNone/>
+              <a:defRPr sz="2800" kern="1200" cap="all" spc="200" baseline="0">
+                <a:solidFill>
+                  <a:schemeClr val="tx1">
+                    <a:lumMod val="85000"/>
+                    <a:lumOff val="15000"/>
+                  </a:schemeClr>
+                </a:solidFill>
+                <a:latin typeface="+mj-lt"/>
+                <a:ea typeface="+mj-ea"/>
+                <a:cs typeface="+mj-cs"/>
+              </a:defRPr>
+            </a:lvl1pPr>
+          </a:lstStyle>
+          <a:p>
+            <a:r>
+              <a:rPr lang="en-US" dirty="0"/>
+              <a:t>Backup </a:t>
+            </a:r>
+            <a:r>
+              <a:rPr lang="en-US" dirty="0" err="1"/>
+              <a:t>SlidE</a:t>
+            </a:r>
+            <a:r>
+              <a:rPr lang="en-US" dirty="0"/>
+              <a:t>: Calculations</a:t>
+            </a:r>
+          </a:p>
+        </p:txBody>
+      </p:sp>
+    </p:spTree>
+    <p:extLst>
+      <p:ext uri="{BB962C8B-B14F-4D97-AF65-F5344CB8AC3E}">
+        <p14:creationId xmlns:p14="http://schemas.microsoft.com/office/powerpoint/2010/main" val="2060700528"/>
       </p:ext>
     </p:extLst>
   </p:cSld>
